--- a/TeamProject1/3team_ppt.pptx
+++ b/TeamProject1/3team_ppt.pptx
@@ -2,7 +2,7 @@
 <file path=ppt/presentation.xml><?xml version="1.0" encoding="utf-8"?>
 <p:presentation xmlns:a="http://schemas.openxmlformats.org/drawingml/2006/main" xmlns:r="http://schemas.openxmlformats.org/officeDocument/2006/relationships" xmlns:p="http://schemas.openxmlformats.org/presentationml/2006/main" xmlns:p14="http://schemas.microsoft.com/office/powerpoint/2010/main" saveSubsetFonts="1">
   <p:sldMasterIdLst>
-    <p:sldMasterId id="2147483706" r:id="rId13"/>
+    <p:sldMasterId id="2147483708" r:id="rId13"/>
   </p:sldMasterIdLst>
   <p:sldIdLst>
     <p:sldId id="256" r:id="rId15"/>
@@ -123,12 +123,12 @@
   <p:extLst>
     <p:ext uri="{EFAFB233-063F-42B5-8137-9DF3F51BA10A}">
       <p15:sldGuideLst xmlns:p15="http://schemas.microsoft.com/office/powerpoint/2012/main">
-        <p15:guide id="1" orient="horz" pos="2087" userDrawn="1">
+        <p15:guide id="1" orient="horz" pos="2086" userDrawn="1">
           <p15:clr>
             <a:srgbClr val="A4A3A4"/>
           </p15:clr>
         </p15:guide>
-        <p15:guide id="2" pos="3835" userDrawn="1">
+        <p15:guide id="2" pos="3834" userDrawn="1">
           <p15:clr>
             <a:srgbClr val="A4A3A4"/>
           </p15:clr>
@@ -8527,7 +8527,33 @@
                 <a:latin typeface="G마켓 산스 Medium" charset="0"/>
                 <a:ea typeface="G마켓 산스 Medium" charset="0"/>
               </a:rPr>
-              <a:t>다수결로 아이디어 선정</a:t>
+              <a:t>다수의 의견 통합 후 아이디어</a:t>
+            </a:r>
+            <a:r>
+              <a:rPr lang="ko-KR" altLang="en-US" sz="1200">
+                <a:solidFill>
+                  <a:schemeClr val="tx1">
+                    <a:lumMod val="50000"/>
+                    <a:lumOff val="50000"/>
+                  </a:schemeClr>
+                </a:solidFill>
+                <a:latin typeface="G마켓 산스 Medium" charset="0"/>
+                <a:ea typeface="G마켓 산스 Medium" charset="0"/>
+              </a:rPr>
+              <a:t> </a:t>
+            </a:r>
+            <a:r>
+              <a:rPr lang="ko-KR" altLang="en-US" sz="1200">
+                <a:solidFill>
+                  <a:schemeClr val="tx1">
+                    <a:lumMod val="50000"/>
+                    <a:lumOff val="50000"/>
+                  </a:schemeClr>
+                </a:solidFill>
+                <a:latin typeface="G마켓 산스 Medium" charset="0"/>
+                <a:ea typeface="G마켓 산스 Medium" charset="0"/>
+              </a:rPr>
+              <a:t>선정</a:t>
             </a:r>
             <a:endParaRPr lang="ko-KR" altLang="en-US" sz="1200">
               <a:solidFill>
@@ -10249,7 +10275,7 @@
                 <a:latin typeface="G마켓 산스 Medium" charset="0"/>
                 <a:ea typeface="G마켓 산스 Medium" charset="0"/>
               </a:rPr>
-              <a:t>다수결로 아이디어 선정</a:t>
+              <a:t>다수의 의견 통합 후 아이디어 선정</a:t>
             </a:r>
             <a:endParaRPr lang="ko-KR" altLang="en-US" sz="1200">
               <a:solidFill>
@@ -12241,7 +12267,7 @@
           <p:nvPr/>
         </p:nvSpPr>
         <p:spPr>
-          <a:xfrm rot="0">
+          <a:xfrm>
             <a:off x="8489950" y="2987040"/>
             <a:ext cx="2736215" cy="701675"/>
           </a:xfrm>
@@ -12272,7 +12298,7 @@
                 <a:latin typeface="G마켓 산스 Medium" charset="0"/>
                 <a:ea typeface="G마켓 산스 Medium" charset="0"/>
               </a:rPr>
-              <a:t>다수결로 아이디어 선정</a:t>
+              <a:t>다수의 의견 통합 후 아이디어 선정</a:t>
             </a:r>
             <a:endParaRPr lang="ko-KR" altLang="en-US" sz="1200">
               <a:solidFill>
